--- a/Poster/perturbed_poster.pptx
+++ b/Poster/perturbed_poster.pptx
@@ -3537,6 +3537,36 @@
           <a:chExt cx="0" cy="0"/>
         </a:xfrm>
       </p:grpSpPr>
+      <p:pic>
+        <p:nvPicPr>
+          <p:cNvPr id="69" name="Picture 68" descr="Time_Loss.pdf"/>
+          <p:cNvPicPr>
+            <a:picLocks noChangeAspect="1"/>
+          </p:cNvPicPr>
+          <p:nvPr/>
+        </p:nvPicPr>
+        <p:blipFill>
+          <a:blip r:embed="rId3">
+            <a:extLst>
+              <a:ext uri="{28A0092B-C50C-407E-A947-70E740481C1C}">
+                <a14:useLocalDpi xmlns:a14="http://schemas.microsoft.com/office/drawing/2010/main" val="0"/>
+              </a:ext>
+            </a:extLst>
+          </a:blip>
+          <a:stretch>
+            <a:fillRect/>
+          </a:stretch>
+        </p:blipFill>
+        <p:spPr>
+          <a:xfrm>
+            <a:off x="31613963" y="12995340"/>
+            <a:ext cx="9167711" cy="6875782"/>
+          </a:xfrm>
+          <a:prstGeom prst="rect">
+            <a:avLst/>
+          </a:prstGeom>
+        </p:spPr>
+      </p:pic>
       <p:sp>
         <p:nvSpPr>
           <p:cNvPr id="10" name="TextBox 9"/>
@@ -3545,7 +3575,7 @@
         </p:nvSpPr>
         <p:spPr>
           <a:xfrm>
-            <a:off x="8015182" y="1492705"/>
+            <a:off x="7388648" y="1434204"/>
             <a:ext cx="30873897" cy="1803563"/>
           </a:xfrm>
           <a:prstGeom prst="rect">
@@ -3607,7 +3637,7 @@
             <p:nvPr/>
           </p:nvPicPr>
           <p:blipFill>
-            <a:blip r:embed="rId3" cstate="print"/>
+            <a:blip r:embed="rId4" cstate="print"/>
             <a:stretch>
               <a:fillRect/>
             </a:stretch>
@@ -3679,7 +3709,7 @@
             <p:nvPr/>
           </p:nvPicPr>
           <p:blipFill>
-            <a:blip r:embed="rId4"/>
+            <a:blip r:embed="rId5"/>
             <a:stretch>
               <a:fillRect/>
             </a:stretch>
@@ -3931,17 +3961,17 @@
                 <a:latin typeface="Gill Sans"/>
                 <a:cs typeface="Gill Sans"/>
               </a:rPr>
-              <a:t>2]  </a:t>
-            </a:r>
-            <a:r>
-              <a:rPr lang="en-US" sz="2400" dirty="0" err="1">
+              <a:t>2</a:t>
+            </a:r>
+            <a:r>
+              <a:rPr lang="en-US" sz="2400" dirty="0">
                 <a:solidFill>
                   <a:srgbClr val="1F497D"/>
                 </a:solidFill>
                 <a:latin typeface="Gill Sans"/>
                 <a:cs typeface="Gill Sans"/>
               </a:rPr>
-              <a:t>Rie</a:t>
+              <a:t>] </a:t>
             </a:r>
             <a:r>
               <a:rPr lang="en-US" sz="2400" dirty="0">
@@ -3951,7 +3981,7 @@
                 <a:latin typeface="Gill Sans"/>
                 <a:cs typeface="Gill Sans"/>
               </a:rPr>
-              <a:t> Johnson and Tong Zhang, Accelerating stochastic gradient descent using predictive </a:t>
+              <a:t>Jeffrey Dean, Greg </a:t>
             </a:r>
             <a:r>
               <a:rPr lang="en-US" sz="2400" dirty="0" err="1">
@@ -3961,7 +3991,7 @@
                 <a:latin typeface="Gill Sans"/>
                 <a:cs typeface="Gill Sans"/>
               </a:rPr>
-              <a:t>vari</a:t>
+              <a:t>Corrado</a:t>
             </a:r>
             <a:r>
               <a:rPr lang="en-US" sz="2400" dirty="0">
@@ -3971,10 +4001,8 @@
                 <a:latin typeface="Gill Sans"/>
                 <a:cs typeface="Gill Sans"/>
               </a:rPr>
-              <a:t>-</a:t>
-            </a:r>
-          </a:p>
-          <a:p>
+              <a:t>, </a:t>
+            </a:r>
             <a:r>
               <a:rPr lang="en-US" sz="2400" dirty="0" err="1">
                 <a:solidFill>
@@ -3983,7 +4011,7 @@
                 <a:latin typeface="Gill Sans"/>
                 <a:cs typeface="Gill Sans"/>
               </a:rPr>
-              <a:t>ance</a:t>
+              <a:t>Rajat</a:t>
             </a:r>
             <a:r>
               <a:rPr lang="en-US" sz="2400" dirty="0">
@@ -3993,8 +4021,233 @@
                 <a:latin typeface="Gill Sans"/>
                 <a:cs typeface="Gill Sans"/>
               </a:rPr>
-              <a:t> reduction, in Advances in Neural Information Processing Systems, 2013, pp. 315–323.</a:t>
-            </a:r>
+              <a:t> </a:t>
+            </a:r>
+            <a:r>
+              <a:rPr lang="en-US" sz="2400" dirty="0" err="1">
+                <a:solidFill>
+                  <a:srgbClr val="1F497D"/>
+                </a:solidFill>
+                <a:latin typeface="Gill Sans"/>
+                <a:cs typeface="Gill Sans"/>
+              </a:rPr>
+              <a:t>Monga</a:t>
+            </a:r>
+            <a:r>
+              <a:rPr lang="en-US" sz="2400" dirty="0">
+                <a:solidFill>
+                  <a:srgbClr val="1F497D"/>
+                </a:solidFill>
+                <a:latin typeface="Gill Sans"/>
+                <a:cs typeface="Gill Sans"/>
+              </a:rPr>
+              <a:t>, Kai Chen, </a:t>
+            </a:r>
+            <a:r>
+              <a:rPr lang="en-US" sz="2400" dirty="0" err="1">
+                <a:solidFill>
+                  <a:srgbClr val="1F497D"/>
+                </a:solidFill>
+                <a:latin typeface="Gill Sans"/>
+                <a:cs typeface="Gill Sans"/>
+              </a:rPr>
+              <a:t>Matthieu</a:t>
+            </a:r>
+            <a:r>
+              <a:rPr lang="en-US" sz="2400" dirty="0">
+                <a:solidFill>
+                  <a:srgbClr val="1F497D"/>
+                </a:solidFill>
+                <a:latin typeface="Gill Sans"/>
+                <a:cs typeface="Gill Sans"/>
+              </a:rPr>
+              <a:t> Devin, Mark Mao, Andrew Senior,</a:t>
+            </a:r>
+          </a:p>
+          <a:p>
+            <a:r>
+              <a:rPr lang="en-US" sz="2400" dirty="0">
+                <a:solidFill>
+                  <a:srgbClr val="1F497D"/>
+                </a:solidFill>
+                <a:latin typeface="Gill Sans"/>
+                <a:cs typeface="Gill Sans"/>
+              </a:rPr>
+              <a:t>Paul Tucker, </a:t>
+            </a:r>
+            <a:r>
+              <a:rPr lang="en-US" sz="2400" dirty="0" err="1">
+                <a:solidFill>
+                  <a:srgbClr val="1F497D"/>
+                </a:solidFill>
+                <a:latin typeface="Gill Sans"/>
+                <a:cs typeface="Gill Sans"/>
+              </a:rPr>
+              <a:t>Ke</a:t>
+            </a:r>
+            <a:r>
+              <a:rPr lang="en-US" sz="2400" dirty="0">
+                <a:solidFill>
+                  <a:srgbClr val="1F497D"/>
+                </a:solidFill>
+                <a:latin typeface="Gill Sans"/>
+                <a:cs typeface="Gill Sans"/>
+              </a:rPr>
+              <a:t> Yang, </a:t>
+            </a:r>
+            <a:r>
+              <a:rPr lang="en-US" sz="2400" dirty="0" err="1">
+                <a:solidFill>
+                  <a:srgbClr val="1F497D"/>
+                </a:solidFill>
+                <a:latin typeface="Gill Sans"/>
+                <a:cs typeface="Gill Sans"/>
+              </a:rPr>
+              <a:t>Quoc</a:t>
+            </a:r>
+            <a:r>
+              <a:rPr lang="en-US" sz="2400" dirty="0">
+                <a:solidFill>
+                  <a:srgbClr val="1F497D"/>
+                </a:solidFill>
+                <a:latin typeface="Gill Sans"/>
+                <a:cs typeface="Gill Sans"/>
+              </a:rPr>
+              <a:t> V Le, et al. Large scale distributed deep networks. In Advances in Neural</a:t>
+            </a:r>
+          </a:p>
+          <a:p>
+            <a:r>
+              <a:rPr lang="en-US" sz="2400" dirty="0">
+                <a:solidFill>
+                  <a:srgbClr val="1F497D"/>
+                </a:solidFill>
+                <a:latin typeface="Gill Sans"/>
+                <a:cs typeface="Gill Sans"/>
+              </a:rPr>
+              <a:t>Information Processing Systems , pages 1223–1231, 2012</a:t>
+            </a:r>
+            <a:r>
+              <a:rPr lang="en-US" sz="2400" dirty="0" smtClean="0">
+                <a:solidFill>
+                  <a:srgbClr val="1F497D"/>
+                </a:solidFill>
+                <a:latin typeface="Gill Sans"/>
+                <a:cs typeface="Gill Sans"/>
+              </a:rPr>
+              <a:t>.</a:t>
+            </a:r>
+          </a:p>
+          <a:p>
+            <a:r>
+              <a:rPr lang="en-US" sz="2400" dirty="0" smtClean="0">
+                <a:solidFill>
+                  <a:srgbClr val="1F497D"/>
+                </a:solidFill>
+                <a:latin typeface="Gill Sans"/>
+                <a:cs typeface="Gill Sans"/>
+              </a:rPr>
+              <a:t>[3] </a:t>
+            </a:r>
+            <a:r>
+              <a:rPr lang="en-US" sz="2400" dirty="0" err="1">
+                <a:solidFill>
+                  <a:srgbClr val="1F497D"/>
+                </a:solidFill>
+                <a:latin typeface="Gill Sans"/>
+                <a:cs typeface="Gill Sans"/>
+              </a:rPr>
+              <a:t>Ce</a:t>
+            </a:r>
+            <a:r>
+              <a:rPr lang="en-US" sz="2400" dirty="0">
+                <a:solidFill>
+                  <a:srgbClr val="1F497D"/>
+                </a:solidFill>
+                <a:latin typeface="Gill Sans"/>
+                <a:cs typeface="Gill Sans"/>
+              </a:rPr>
+              <a:t> Zhang and Christopher </a:t>
+            </a:r>
+            <a:r>
+              <a:rPr lang="en-US" sz="2400" dirty="0" smtClean="0">
+                <a:solidFill>
+                  <a:srgbClr val="1F497D"/>
+                </a:solidFill>
+                <a:latin typeface="Gill Sans"/>
+                <a:cs typeface="Gill Sans"/>
+              </a:rPr>
+              <a:t>Re. </a:t>
+            </a:r>
+            <a:r>
+              <a:rPr lang="en-US" sz="2400" dirty="0" err="1" smtClean="0">
+                <a:solidFill>
+                  <a:srgbClr val="1F497D"/>
+                </a:solidFill>
+                <a:latin typeface="Gill Sans"/>
+                <a:cs typeface="Gill Sans"/>
+              </a:rPr>
+              <a:t>DimmWitted</a:t>
+            </a:r>
+            <a:r>
+              <a:rPr lang="en-US" sz="2400" dirty="0">
+                <a:solidFill>
+                  <a:srgbClr val="1F497D"/>
+                </a:solidFill>
+                <a:latin typeface="Gill Sans"/>
+                <a:cs typeface="Gill Sans"/>
+              </a:rPr>
+              <a:t>: A Study of Main</a:t>
+            </a:r>
+            <a:r>
+              <a:rPr lang="en-US" sz="2400" dirty="0" smtClean="0">
+                <a:solidFill>
+                  <a:srgbClr val="1F497D"/>
+                </a:solidFill>
+                <a:latin typeface="Gill Sans"/>
+                <a:cs typeface="Gill Sans"/>
+              </a:rPr>
+              <a:t>-Memory </a:t>
+            </a:r>
+            <a:r>
+              <a:rPr lang="en-US" sz="2400" dirty="0">
+                <a:solidFill>
+                  <a:srgbClr val="1F497D"/>
+                </a:solidFill>
+                <a:latin typeface="Gill Sans"/>
+                <a:cs typeface="Gill Sans"/>
+              </a:rPr>
+              <a:t>Statistical </a:t>
+            </a:r>
+            <a:r>
+              <a:rPr lang="en-US" sz="2400" dirty="0" smtClean="0">
+                <a:solidFill>
+                  <a:srgbClr val="1F497D"/>
+                </a:solidFill>
+                <a:latin typeface="Gill Sans"/>
+                <a:cs typeface="Gill Sans"/>
+              </a:rPr>
+              <a:t>Analytics. </a:t>
+            </a:r>
+            <a:r>
+              <a:rPr lang="en-US" sz="2400" dirty="0">
+                <a:solidFill>
+                  <a:srgbClr val="1F497D"/>
+                </a:solidFill>
+                <a:latin typeface="Gill Sans"/>
+                <a:cs typeface="Gill Sans"/>
+              </a:rPr>
+              <a:t>VLDB 2014.</a:t>
+            </a:r>
+          </a:p>
+          <a:p>
+            <a:endParaRPr lang="en-US" sz="2400" dirty="0">
+              <a:solidFill>
+                <a:srgbClr val="1F497D"/>
+              </a:solidFill>
+              <a:latin typeface="Gill Sans"/>
+              <a:cs typeface="Gill Sans"/>
+            </a:endParaRPr>
           </a:p>
         </p:txBody>
       </p:sp>
@@ -4527,7 +4780,7 @@
         <p:spPr>
           <a:xfrm>
             <a:off x="455296" y="7810041"/>
-            <a:ext cx="8003317" cy="4401205"/>
+            <a:ext cx="8003317" cy="2554545"/>
           </a:xfrm>
           <a:prstGeom prst="rect">
             <a:avLst/>
@@ -4557,131 +4810,14 @@
                 <a:latin typeface="Gill Sans"/>
                 <a:cs typeface="Gill Sans"/>
               </a:rPr>
-              <a:t>: Understand the scalability of asynchronous stochastic optimization in </a:t>
-            </a:r>
-            <a:r>
-              <a:rPr lang="en-US" sz="4000" dirty="0">
-                <a:solidFill>
-                  <a:schemeClr val="tx2"/>
-                </a:solidFill>
-                <a:latin typeface="Gill Sans"/>
-                <a:cs typeface="Gill Sans"/>
-              </a:rPr>
-              <a:t>m</a:t>
-            </a:r>
-            <a:r>
-              <a:rPr lang="en-US" sz="4000" dirty="0" smtClean="0">
-                <a:solidFill>
-                  <a:schemeClr val="tx2"/>
-                </a:solidFill>
-                <a:latin typeface="Gill Sans"/>
-                <a:cs typeface="Gill Sans"/>
-              </a:rPr>
-              <a:t>achine learning problems in terms of the </a:t>
-            </a:r>
-            <a:r>
-              <a:rPr lang="en-US" sz="4000" dirty="0" smtClean="0">
-                <a:solidFill>
-                  <a:schemeClr val="tx2"/>
-                </a:solidFill>
-                <a:latin typeface="Gill Sans"/>
-                <a:cs typeface="Gill Sans"/>
-              </a:rPr>
-              <a:t>parameter dependence </a:t>
-            </a:r>
-            <a:r>
-              <a:rPr lang="en-US" sz="4000" dirty="0" smtClean="0">
-                <a:solidFill>
-                  <a:schemeClr val="tx2"/>
-                </a:solidFill>
-                <a:latin typeface="Gill Sans"/>
-                <a:cs typeface="Gill Sans"/>
-              </a:rPr>
-              <a:t>graph. </a:t>
-            </a:r>
-            <a:r>
-              <a:rPr lang="en-US" sz="4000" dirty="0" smtClean="0">
-                <a:solidFill>
-                  <a:schemeClr val="tx2"/>
-                </a:solidFill>
-                <a:latin typeface="Gill Sans"/>
-                <a:cs typeface="Gill Sans"/>
-              </a:rPr>
-              <a:t>We use partitions </a:t>
-            </a:r>
-            <a:r>
-              <a:rPr lang="en-US" sz="4000" dirty="0" smtClean="0">
-                <a:solidFill>
-                  <a:schemeClr val="tx2"/>
-                </a:solidFill>
-                <a:latin typeface="Gill Sans"/>
-                <a:cs typeface="Gill Sans"/>
-              </a:rPr>
-              <a:t>of </a:t>
-            </a:r>
-            <a:r>
-              <a:rPr lang="en-US" sz="4000" dirty="0" smtClean="0">
-                <a:solidFill>
-                  <a:schemeClr val="tx2"/>
-                </a:solidFill>
-                <a:latin typeface="Gill Sans"/>
-                <a:cs typeface="Gill Sans"/>
-              </a:rPr>
-              <a:t>the parameter dependence graph to </a:t>
-            </a:r>
-            <a:r>
-              <a:rPr lang="en-US" sz="4000" dirty="0" smtClean="0">
-                <a:solidFill>
-                  <a:schemeClr val="tx2"/>
-                </a:solidFill>
-                <a:latin typeface="Gill Sans"/>
-                <a:cs typeface="Gill Sans"/>
-              </a:rPr>
-              <a:t>increase performance. </a:t>
-            </a:r>
-            <a:endParaRPr lang="en-US" sz="4000" dirty="0">
-              <a:solidFill>
-                <a:schemeClr val="tx2"/>
-              </a:solidFill>
-              <a:latin typeface="Gill Sans"/>
-              <a:cs typeface="Gill Sans"/>
-            </a:endParaRPr>
+              <a:t>: Improve memory access performance of asynchronous stochastic optimization by exploiting the parameter dependence graph.   </a:t>
+            </a:r>
           </a:p>
         </p:txBody>
       </p:sp>
       <p:pic>
         <p:nvPicPr>
           <p:cNvPr id="21" name="Picture 20" descr="latex-image-1.pdf"/>
-          <p:cNvPicPr>
-            <a:picLocks noChangeAspect="1"/>
-          </p:cNvPicPr>
-          <p:nvPr/>
-        </p:nvPicPr>
-        <p:blipFill>
-          <a:blip r:embed="rId5">
-            <a:extLst>
-              <a:ext uri="{28A0092B-C50C-407E-A947-70E740481C1C}">
-                <a14:useLocalDpi xmlns:a14="http://schemas.microsoft.com/office/drawing/2010/main" val="0"/>
-              </a:ext>
-            </a:extLst>
-          </a:blip>
-          <a:stretch>
-            <a:fillRect/>
-          </a:stretch>
-        </p:blipFill>
-        <p:spPr>
-          <a:xfrm>
-            <a:off x="2518350" y="12309489"/>
-            <a:ext cx="3639398" cy="1349439"/>
-          </a:xfrm>
-          <a:prstGeom prst="rect">
-            <a:avLst/>
-          </a:prstGeom>
-        </p:spPr>
-      </p:pic>
-      <p:pic>
-        <p:nvPicPr>
-          <p:cNvPr id="23" name="Picture 22" descr="latex-image-1.pdf"/>
           <p:cNvPicPr>
             <a:picLocks noChangeAspect="1"/>
           </p:cNvPicPr>
@@ -4701,8 +4837,8 @@
         </p:blipFill>
         <p:spPr>
           <a:xfrm>
-            <a:off x="2007753" y="14806769"/>
-            <a:ext cx="5031413" cy="541845"/>
+            <a:off x="1970941" y="11325754"/>
+            <a:ext cx="4403672" cy="1632821"/>
           </a:xfrm>
           <a:prstGeom prst="rect">
             <a:avLst/>
@@ -4711,7 +4847,7 @@
       </p:pic>
       <p:pic>
         <p:nvPicPr>
-          <p:cNvPr id="24" name="Picture 23" descr="latex-image-1.pdf"/>
+          <p:cNvPr id="23" name="Picture 22" descr="latex-image-1.pdf"/>
           <p:cNvPicPr>
             <a:picLocks noChangeAspect="1"/>
           </p:cNvPicPr>
@@ -4731,8 +4867,38 @@
         </p:blipFill>
         <p:spPr>
           <a:xfrm>
-            <a:off x="2101197" y="15628436"/>
-            <a:ext cx="4838281" cy="518387"/>
+            <a:off x="1756182" y="14632428"/>
+            <a:ext cx="5534554" cy="596030"/>
+          </a:xfrm>
+          <a:prstGeom prst="rect">
+            <a:avLst/>
+          </a:prstGeom>
+        </p:spPr>
+      </p:pic>
+      <p:pic>
+        <p:nvPicPr>
+          <p:cNvPr id="24" name="Picture 23" descr="latex-image-1.pdf"/>
+          <p:cNvPicPr>
+            <a:picLocks noChangeAspect="1"/>
+          </p:cNvPicPr>
+          <p:nvPr/>
+        </p:nvPicPr>
+        <p:blipFill>
+          <a:blip r:embed="rId8">
+            <a:extLst>
+              <a:ext uri="{28A0092B-C50C-407E-A947-70E740481C1C}">
+                <a14:useLocalDpi xmlns:a14="http://schemas.microsoft.com/office/drawing/2010/main" val="0"/>
+              </a:ext>
+            </a:extLst>
+          </a:blip>
+          <a:stretch>
+            <a:fillRect/>
+          </a:stretch>
+        </p:blipFill>
+        <p:spPr>
+          <a:xfrm>
+            <a:off x="1859283" y="15694546"/>
+            <a:ext cx="5322109" cy="570226"/>
           </a:xfrm>
           <a:prstGeom prst="rect">
             <a:avLst/>
@@ -5812,7 +5978,7 @@
             <p:nvPr/>
           </p:nvPicPr>
           <p:blipFill>
-            <a:blip r:embed="rId8">
+            <a:blip r:embed="rId9">
               <a:extLst>
                 <a:ext uri="{28A0092B-C50C-407E-A947-70E740481C1C}">
                   <a14:useLocalDpi xmlns:a14="http://schemas.microsoft.com/office/drawing/2010/main" val="0"/>
@@ -5842,7 +6008,7 @@
             <p:nvPr/>
           </p:nvPicPr>
           <p:blipFill>
-            <a:blip r:embed="rId9">
+            <a:blip r:embed="rId10">
               <a:extLst>
                 <a:ext uri="{28A0092B-C50C-407E-A947-70E740481C1C}">
                   <a14:useLocalDpi xmlns:a14="http://schemas.microsoft.com/office/drawing/2010/main" val="0"/>
@@ -6772,7 +6938,7 @@
             <p:nvPr/>
           </p:nvPicPr>
           <p:blipFill>
-            <a:blip r:embed="rId8">
+            <a:blip r:embed="rId9">
               <a:extLst>
                 <a:ext uri="{28A0092B-C50C-407E-A947-70E740481C1C}">
                   <a14:useLocalDpi xmlns:a14="http://schemas.microsoft.com/office/drawing/2010/main" val="0"/>
@@ -6802,7 +6968,7 @@
             <p:nvPr/>
           </p:nvPicPr>
           <p:blipFill>
-            <a:blip r:embed="rId10">
+            <a:blip r:embed="rId11">
               <a:extLst>
                 <a:ext uri="{28A0092B-C50C-407E-A947-70E740481C1C}">
                   <a14:useLocalDpi xmlns:a14="http://schemas.microsoft.com/office/drawing/2010/main" val="0"/>
@@ -6857,7 +7023,7 @@
               <a:t>Example: Stochastic </a:t>
             </a:r>
             <a:r>
-              <a:rPr lang="en-US" sz="6000" smtClean="0">
+              <a:rPr lang="en-US" sz="6000" dirty="0" smtClean="0">
                 <a:solidFill>
                   <a:srgbClr val="1F497D"/>
                 </a:solidFill>
@@ -7108,62 +7274,55 @@
           <a:p>
             <a:pPr algn="ctr"/>
             <a:r>
-              <a:rPr lang="en-US" sz="5400" dirty="0" smtClean="0">
+              <a:rPr lang="en-US" sz="4800" dirty="0" smtClean="0">
                 <a:latin typeface="Gill Sans SemiBold"/>
                 <a:cs typeface="Gill Sans SemiBold"/>
               </a:rPr>
-              <a:t>Idea: </a:t>
-            </a:r>
-            <a:r>
-              <a:rPr lang="en-US" sz="5400" dirty="0" smtClean="0">
+              <a:t>Idea: Partition the parameter dependence bipartite </a:t>
+            </a:r>
+            <a:r>
+              <a:rPr lang="en-US" sz="4800" dirty="0" smtClean="0">
                 <a:latin typeface="Gill Sans SemiBold"/>
                 <a:cs typeface="Gill Sans SemiBold"/>
               </a:rPr>
-              <a:t>Partition the parameter dependence bipartite </a:t>
-            </a:r>
-            <a:r>
-              <a:rPr lang="en-US" sz="5400" dirty="0" smtClean="0">
+              <a:t>graph to find </a:t>
+            </a:r>
+            <a:r>
+              <a:rPr lang="en-US" sz="4800" dirty="0" smtClean="0">
                 <a:latin typeface="Gill Sans SemiBold"/>
                 <a:cs typeface="Gill Sans SemiBold"/>
               </a:rPr>
-              <a:t>graph to find </a:t>
-            </a:r>
-            <a:r>
-              <a:rPr lang="en-US" sz="5400" dirty="0" smtClean="0">
+              <a:t>subsets </a:t>
+            </a:r>
+            <a:r>
+              <a:rPr lang="en-US" sz="4800" dirty="0" smtClean="0">
                 <a:latin typeface="Gill Sans SemiBold"/>
                 <a:cs typeface="Gill Sans SemiBold"/>
               </a:rPr>
-              <a:t>subsets </a:t>
-            </a:r>
-            <a:r>
-              <a:rPr lang="en-US" sz="5400" dirty="0" smtClean="0">
+              <a:t>of data-points that depend on </a:t>
+            </a:r>
+            <a:r>
+              <a:rPr lang="en-US" sz="4800" dirty="0" smtClean="0">
                 <a:latin typeface="Gill Sans SemiBold"/>
                 <a:cs typeface="Gill Sans SemiBold"/>
               </a:rPr>
-              <a:t>of data-points that depend on </a:t>
-            </a:r>
-            <a:r>
-              <a:rPr lang="en-US" sz="5400" dirty="0" smtClean="0">
+              <a:t>small</a:t>
+            </a:r>
+            <a:r>
+              <a:rPr lang="en-US" sz="4800" dirty="0" smtClean="0">
                 <a:latin typeface="Gill Sans SemiBold"/>
                 <a:cs typeface="Gill Sans SemiBold"/>
               </a:rPr>
-              <a:t>small</a:t>
-            </a:r>
-            <a:r>
-              <a:rPr lang="en-US" sz="5400" dirty="0" smtClean="0">
+              <a:t> subsets </a:t>
+            </a:r>
+            <a:r>
+              <a:rPr lang="en-US" sz="4800" dirty="0" smtClean="0">
                 <a:latin typeface="Gill Sans SemiBold"/>
                 <a:cs typeface="Gill Sans SemiBold"/>
               </a:rPr>
-              <a:t> subsets </a:t>
-            </a:r>
-            <a:r>
-              <a:rPr lang="en-US" sz="5400" dirty="0" smtClean="0">
-                <a:latin typeface="Gill Sans SemiBold"/>
-                <a:cs typeface="Gill Sans SemiBold"/>
-              </a:rPr>
               <a:t>of parameters.  </a:t>
             </a:r>
-            <a:endParaRPr lang="en-US" sz="5400" dirty="0">
+            <a:endParaRPr lang="en-US" sz="4800" dirty="0">
               <a:latin typeface="Gill Sans SemiBold"/>
               <a:cs typeface="Gill Sans SemiBold"/>
             </a:endParaRPr>
@@ -7428,7 +7587,7 @@
           <p:nvPr/>
         </p:nvPicPr>
         <p:blipFill>
-          <a:blip r:embed="rId11">
+          <a:blip r:embed="rId12">
             <a:extLst>
               <a:ext uri="{28A0092B-C50C-407E-A947-70E740481C1C}">
                 <a14:useLocalDpi xmlns:a14="http://schemas.microsoft.com/office/drawing/2010/main" val="0"/>
@@ -7590,7 +7749,7 @@
         <p:spPr>
           <a:xfrm>
             <a:off x="15218651" y="11201798"/>
-            <a:ext cx="13673502" cy="1938992"/>
+            <a:ext cx="13673502" cy="2554545"/>
           </a:xfrm>
           <a:prstGeom prst="rect">
             <a:avLst/>
@@ -7641,7 +7800,7 @@
                 <a:latin typeface="Gill Sans"/>
                 <a:cs typeface="Gill Sans"/>
               </a:rPr>
-              <a:t>results one NUMA node with 12 cores.</a:t>
+              <a:t>results on one NUMA node with 12 cores.</a:t>
             </a:r>
             <a:endParaRPr lang="en-US" sz="4000" dirty="0">
               <a:solidFill>
@@ -7662,7 +7821,7 @@
           <p:nvPr/>
         </p:nvPicPr>
         <p:blipFill>
-          <a:blip r:embed="rId12">
+          <a:blip r:embed="rId13">
             <a:extLst>
               <a:ext uri="{28A0092B-C50C-407E-A947-70E740481C1C}">
                 <a14:useLocalDpi xmlns:a14="http://schemas.microsoft.com/office/drawing/2010/main" val="0"/>
@@ -7775,7 +7934,7 @@
         </p:nvGrpSpPr>
         <p:grpSpPr>
           <a:xfrm>
-            <a:off x="5081948" y="13423020"/>
+            <a:off x="5081948" y="12830523"/>
             <a:ext cx="3159002" cy="897875"/>
             <a:chOff x="5387193" y="3111299"/>
             <a:chExt cx="3112453" cy="778136"/>
@@ -7903,7 +8062,7 @@
           <p:nvPr/>
         </p:nvPicPr>
         <p:blipFill>
-          <a:blip r:embed="rId13">
+          <a:blip r:embed="rId14">
             <a:extLst>
               <a:ext uri="{28A0092B-C50C-407E-A947-70E740481C1C}">
                 <a14:useLocalDpi xmlns:a14="http://schemas.microsoft.com/office/drawing/2010/main" val="0"/>
@@ -7933,7 +8092,7 @@
           <p:nvPr/>
         </p:nvPicPr>
         <p:blipFill>
-          <a:blip r:embed="rId14">
+          <a:blip r:embed="rId15">
             <a:extLst>
               <a:ext uri="{28A0092B-C50C-407E-A947-70E740481C1C}">
                 <a14:useLocalDpi xmlns:a14="http://schemas.microsoft.com/office/drawing/2010/main" val="0"/>
@@ -7963,7 +8122,7 @@
           <p:nvPr/>
         </p:nvPicPr>
         <p:blipFill>
-          <a:blip r:embed="rId15">
+          <a:blip r:embed="rId16">
             <a:extLst>
               <a:ext uri="{28A0092B-C50C-407E-A947-70E740481C1C}">
                 <a14:useLocalDpi xmlns:a14="http://schemas.microsoft.com/office/drawing/2010/main" val="0"/>
@@ -7993,7 +8152,7 @@
           <p:nvPr/>
         </p:nvPicPr>
         <p:blipFill>
-          <a:blip r:embed="rId16">
+          <a:blip r:embed="rId17">
             <a:extLst>
               <a:ext uri="{28A0092B-C50C-407E-A947-70E740481C1C}">
                 <a14:useLocalDpi xmlns:a14="http://schemas.microsoft.com/office/drawing/2010/main" val="0"/>
@@ -8023,7 +8182,7 @@
           <p:nvPr/>
         </p:nvPicPr>
         <p:blipFill>
-          <a:blip r:embed="rId17">
+          <a:blip r:embed="rId18">
             <a:extLst>
               <a:ext uri="{28A0092B-C50C-407E-A947-70E740481C1C}">
                 <a14:useLocalDpi xmlns:a14="http://schemas.microsoft.com/office/drawing/2010/main" val="0"/>
@@ -8108,7 +8267,7 @@
           <p:nvPr/>
         </p:nvPicPr>
         <p:blipFill>
-          <a:blip r:embed="rId18">
+          <a:blip r:embed="rId19">
             <a:extLst>
               <a:ext uri="{28A0092B-C50C-407E-A947-70E740481C1C}">
                 <a14:useLocalDpi xmlns:a14="http://schemas.microsoft.com/office/drawing/2010/main" val="0"/>
@@ -8180,7 +8339,7 @@
           <p:nvPr/>
         </p:nvPicPr>
         <p:blipFill>
-          <a:blip r:embed="rId19">
+          <a:blip r:embed="rId20">
             <a:extLst>
               <a:ext uri="{28A0092B-C50C-407E-A947-70E740481C1C}">
                 <a14:useLocalDpi xmlns:a14="http://schemas.microsoft.com/office/drawing/2010/main" val="0"/>
@@ -8195,6 +8354,36 @@
           <a:xfrm>
             <a:off x="32961761" y="8651714"/>
             <a:ext cx="2146300" cy="533400"/>
+          </a:xfrm>
+          <a:prstGeom prst="rect">
+            <a:avLst/>
+          </a:prstGeom>
+        </p:spPr>
+      </p:pic>
+      <p:pic>
+        <p:nvPicPr>
+          <p:cNvPr id="68" name="Picture 67" descr="Speedup_Plot.pdf"/>
+          <p:cNvPicPr>
+            <a:picLocks noChangeAspect="1"/>
+          </p:cNvPicPr>
+          <p:nvPr/>
+        </p:nvPicPr>
+        <p:blipFill>
+          <a:blip r:embed="rId21">
+            <a:extLst>
+              <a:ext uri="{28A0092B-C50C-407E-A947-70E740481C1C}">
+                <a14:useLocalDpi xmlns:a14="http://schemas.microsoft.com/office/drawing/2010/main" val="0"/>
+              </a:ext>
+            </a:extLst>
+          </a:blip>
+          <a:stretch>
+            <a:fillRect/>
+          </a:stretch>
+        </p:blipFill>
+        <p:spPr>
+          <a:xfrm>
+            <a:off x="31613964" y="19919786"/>
+            <a:ext cx="9167710" cy="6875782"/>
           </a:xfrm>
           <a:prstGeom prst="rect">
             <a:avLst/>
